--- a/Docs/ERPSystem.pptx
+++ b/Docs/ERPSystem.pptx
@@ -5,17 +5,18 @@
     <p:sldMasterId id="2147483648" r:id="rId1"/>
   </p:sldMasterIdLst>
   <p:notesMasterIdLst>
-    <p:notesMasterId r:id="rId10"/>
+    <p:notesMasterId r:id="rId11"/>
   </p:notesMasterIdLst>
   <p:sldIdLst>
     <p:sldId id="256" r:id="rId2"/>
     <p:sldId id="257" r:id="rId3"/>
-    <p:sldId id="258" r:id="rId4"/>
-    <p:sldId id="259" r:id="rId5"/>
-    <p:sldId id="260" r:id="rId6"/>
-    <p:sldId id="261" r:id="rId7"/>
-    <p:sldId id="262" r:id="rId8"/>
-    <p:sldId id="263" r:id="rId9"/>
+    <p:sldId id="264" r:id="rId4"/>
+    <p:sldId id="258" r:id="rId5"/>
+    <p:sldId id="259" r:id="rId6"/>
+    <p:sldId id="260" r:id="rId7"/>
+    <p:sldId id="261" r:id="rId8"/>
+    <p:sldId id="262" r:id="rId9"/>
+    <p:sldId id="263" r:id="rId10"/>
   </p:sldIdLst>
   <p:sldSz cx="12192000" cy="6858000"/>
   <p:notesSz cx="6858000" cy="9144000"/>
@@ -114,6 +115,11 @@
       </a:defRPr>
     </a:lvl9pPr>
   </p:defaultTextStyle>
+  <p:extLst>
+    <p:ext uri="{EFAFB233-063F-42B5-8137-9DF3F51BA10A}">
+      <p15:sldGuideLst xmlns:p15="http://schemas.microsoft.com/office/powerpoint/2012/main"/>
+    </p:ext>
+  </p:extLst>
 </p:presentation>
 </file>
 
@@ -199,7 +205,7 @@
           <a:p>
             <a:fld id="{A0C18FE3-3B50-46F0-879F-783EE04F4D28}" type="datetimeFigureOut">
               <a:rPr lang="da-DK" smtClean="0"/>
-              <a:t>21-04-2023</a:t>
+              <a:t>10-05-2023</a:t>
             </a:fld>
             <a:endParaRPr lang="da-DK"/>
           </a:p>
@@ -594,7 +600,7 @@
           <a:bodyPr/>
           <a:lstStyle/>
           <a:p>
-            <a:endParaRPr lang="da-DK"/>
+            <a:endParaRPr lang="da-DK" dirty="0"/>
           </a:p>
         </p:txBody>
       </p:sp>
@@ -616,6 +622,90 @@
             <a:fld id="{A75A5C39-AB35-4856-9BF2-B1B765134C34}" type="slidenum">
               <a:rPr lang="da-DK" smtClean="0"/>
               <a:t>3</a:t>
+            </a:fld>
+            <a:endParaRPr lang="da-DK"/>
+          </a:p>
+        </p:txBody>
+      </p:sp>
+    </p:spTree>
+    <p:extLst>
+      <p:ext uri="{BB962C8B-B14F-4D97-AF65-F5344CB8AC3E}">
+        <p14:creationId xmlns:p14="http://schemas.microsoft.com/office/powerpoint/2010/main" val="1669835352"/>
+      </p:ext>
+    </p:extLst>
+  </p:cSld>
+  <p:clrMapOvr>
+    <a:masterClrMapping/>
+  </p:clrMapOvr>
+</p:notes>
+</file>
+
+<file path=ppt/notesSlides/notesSlide3.xml><?xml version="1.0" encoding="utf-8"?>
+<p:notes xmlns:a="http://schemas.openxmlformats.org/drawingml/2006/main" xmlns:r="http://schemas.openxmlformats.org/officeDocument/2006/relationships" xmlns:p="http://schemas.openxmlformats.org/presentationml/2006/main">
+  <p:cSld>
+    <p:spTree>
+      <p:nvGrpSpPr>
+        <p:cNvPr id="1" name=""/>
+        <p:cNvGrpSpPr/>
+        <p:nvPr/>
+      </p:nvGrpSpPr>
+      <p:grpSpPr>
+        <a:xfrm>
+          <a:off x="0" y="0"/>
+          <a:ext cx="0" cy="0"/>
+          <a:chOff x="0" y="0"/>
+          <a:chExt cx="0" cy="0"/>
+        </a:xfrm>
+      </p:grpSpPr>
+      <p:sp>
+        <p:nvSpPr>
+          <p:cNvPr id="2" name="Pladsholder til slidebillede 1"/>
+          <p:cNvSpPr>
+            <a:spLocks noGrp="1" noRot="1" noChangeAspect="1"/>
+          </p:cNvSpPr>
+          <p:nvPr>
+            <p:ph type="sldImg"/>
+          </p:nvPr>
+        </p:nvSpPr>
+        <p:spPr/>
+      </p:sp>
+      <p:sp>
+        <p:nvSpPr>
+          <p:cNvPr id="3" name="Pladsholder til noter 2"/>
+          <p:cNvSpPr>
+            <a:spLocks noGrp="1"/>
+          </p:cNvSpPr>
+          <p:nvPr>
+            <p:ph type="body" idx="1"/>
+          </p:nvPr>
+        </p:nvSpPr>
+        <p:spPr/>
+        <p:txBody>
+          <a:bodyPr/>
+          <a:lstStyle/>
+          <a:p>
+            <a:endParaRPr lang="da-DK"/>
+          </a:p>
+        </p:txBody>
+      </p:sp>
+      <p:sp>
+        <p:nvSpPr>
+          <p:cNvPr id="4" name="Pladsholder til slidenummer 3"/>
+          <p:cNvSpPr>
+            <a:spLocks noGrp="1"/>
+          </p:cNvSpPr>
+          <p:nvPr>
+            <p:ph type="sldNum" sz="quarter" idx="5"/>
+          </p:nvPr>
+        </p:nvSpPr>
+        <p:spPr/>
+        <p:txBody>
+          <a:bodyPr/>
+          <a:lstStyle/>
+          <a:p>
+            <a:fld id="{A75A5C39-AB35-4856-9BF2-B1B765134C34}" type="slidenum">
+              <a:rPr lang="da-DK" smtClean="0"/>
+              <a:t>4</a:t>
             </a:fld>
             <a:endParaRPr lang="da-DK"/>
           </a:p>
@@ -781,7 +871,7 @@
           <a:p>
             <a:fld id="{523940DC-71BE-4A12-9B1F-E6104D99FDCB}" type="datetimeFigureOut">
               <a:rPr lang="da-DK" smtClean="0"/>
-              <a:t>21-04-2023</a:t>
+              <a:t>10-05-2023</a:t>
             </a:fld>
             <a:endParaRPr lang="da-DK"/>
           </a:p>
@@ -979,7 +1069,7 @@
           <a:p>
             <a:fld id="{523940DC-71BE-4A12-9B1F-E6104D99FDCB}" type="datetimeFigureOut">
               <a:rPr lang="da-DK" smtClean="0"/>
-              <a:t>21-04-2023</a:t>
+              <a:t>10-05-2023</a:t>
             </a:fld>
             <a:endParaRPr lang="da-DK"/>
           </a:p>
@@ -1187,7 +1277,7 @@
           <a:p>
             <a:fld id="{523940DC-71BE-4A12-9B1F-E6104D99FDCB}" type="datetimeFigureOut">
               <a:rPr lang="da-DK" smtClean="0"/>
-              <a:t>21-04-2023</a:t>
+              <a:t>10-05-2023</a:t>
             </a:fld>
             <a:endParaRPr lang="da-DK"/>
           </a:p>
@@ -1385,7 +1475,7 @@
           <a:p>
             <a:fld id="{523940DC-71BE-4A12-9B1F-E6104D99FDCB}" type="datetimeFigureOut">
               <a:rPr lang="da-DK" smtClean="0"/>
-              <a:t>21-04-2023</a:t>
+              <a:t>10-05-2023</a:t>
             </a:fld>
             <a:endParaRPr lang="da-DK"/>
           </a:p>
@@ -1660,7 +1750,7 @@
           <a:p>
             <a:fld id="{523940DC-71BE-4A12-9B1F-E6104D99FDCB}" type="datetimeFigureOut">
               <a:rPr lang="da-DK" smtClean="0"/>
-              <a:t>21-04-2023</a:t>
+              <a:t>10-05-2023</a:t>
             </a:fld>
             <a:endParaRPr lang="da-DK"/>
           </a:p>
@@ -1925,7 +2015,7 @@
           <a:p>
             <a:fld id="{523940DC-71BE-4A12-9B1F-E6104D99FDCB}" type="datetimeFigureOut">
               <a:rPr lang="da-DK" smtClean="0"/>
-              <a:t>21-04-2023</a:t>
+              <a:t>10-05-2023</a:t>
             </a:fld>
             <a:endParaRPr lang="da-DK"/>
           </a:p>
@@ -2337,7 +2427,7 @@
           <a:p>
             <a:fld id="{523940DC-71BE-4A12-9B1F-E6104D99FDCB}" type="datetimeFigureOut">
               <a:rPr lang="da-DK" smtClean="0"/>
-              <a:t>21-04-2023</a:t>
+              <a:t>10-05-2023</a:t>
             </a:fld>
             <a:endParaRPr lang="da-DK"/>
           </a:p>
@@ -2478,7 +2568,7 @@
           <a:p>
             <a:fld id="{523940DC-71BE-4A12-9B1F-E6104D99FDCB}" type="datetimeFigureOut">
               <a:rPr lang="da-DK" smtClean="0"/>
-              <a:t>21-04-2023</a:t>
+              <a:t>10-05-2023</a:t>
             </a:fld>
             <a:endParaRPr lang="da-DK"/>
           </a:p>
@@ -2591,7 +2681,7 @@
           <a:p>
             <a:fld id="{523940DC-71BE-4A12-9B1F-E6104D99FDCB}" type="datetimeFigureOut">
               <a:rPr lang="da-DK" smtClean="0"/>
-              <a:t>21-04-2023</a:t>
+              <a:t>10-05-2023</a:t>
             </a:fld>
             <a:endParaRPr lang="da-DK"/>
           </a:p>
@@ -2902,7 +2992,7 @@
           <a:p>
             <a:fld id="{523940DC-71BE-4A12-9B1F-E6104D99FDCB}" type="datetimeFigureOut">
               <a:rPr lang="da-DK" smtClean="0"/>
-              <a:t>21-04-2023</a:t>
+              <a:t>10-05-2023</a:t>
             </a:fld>
             <a:endParaRPr lang="da-DK"/>
           </a:p>
@@ -3190,7 +3280,7 @@
           <a:p>
             <a:fld id="{523940DC-71BE-4A12-9B1F-E6104D99FDCB}" type="datetimeFigureOut">
               <a:rPr lang="da-DK" smtClean="0"/>
-              <a:t>21-04-2023</a:t>
+              <a:t>10-05-2023</a:t>
             </a:fld>
             <a:endParaRPr lang="da-DK"/>
           </a:p>
@@ -3431,7 +3521,7 @@
           <a:p>
             <a:fld id="{523940DC-71BE-4A12-9B1F-E6104D99FDCB}" type="datetimeFigureOut">
               <a:rPr lang="da-DK" smtClean="0"/>
-              <a:t>21-04-2023</a:t>
+              <a:t>10-05-2023</a:t>
             </a:fld>
             <a:endParaRPr lang="da-DK"/>
           </a:p>
@@ -4353,7 +4443,7 @@
           <p:cNvPr id="4" name="Rektangel 3">
             <a:extLst>
               <a:ext uri="{FF2B5EF4-FFF2-40B4-BE49-F238E27FC236}">
-                <a16:creationId xmlns:a16="http://schemas.microsoft.com/office/drawing/2014/main" id="{BEA0D7C0-AE0D-4CBA-3D78-0EEBB87D9014}"/>
+                <a16:creationId xmlns:a16="http://schemas.microsoft.com/office/drawing/2014/main" id="{C6B573D7-9040-D646-1831-E067CCC3E208}"/>
               </a:ext>
             </a:extLst>
           </p:cNvPr>
@@ -4409,6 +4499,257 @@
           <p:cNvPr id="2" name="Titel 1">
             <a:extLst>
               <a:ext uri="{FF2B5EF4-FFF2-40B4-BE49-F238E27FC236}">
+                <a16:creationId xmlns:a16="http://schemas.microsoft.com/office/drawing/2014/main" id="{31104E97-E7CA-A1B2-D675-DFB78FCBBD97}"/>
+              </a:ext>
+            </a:extLst>
+          </p:cNvPr>
+          <p:cNvSpPr>
+            <a:spLocks noGrp="1"/>
+          </p:cNvSpPr>
+          <p:nvPr>
+            <p:ph type="title"/>
+          </p:nvPr>
+        </p:nvSpPr>
+        <p:spPr/>
+        <p:txBody>
+          <a:bodyPr/>
+          <a:lstStyle/>
+          <a:p>
+            <a:r>
+              <a:rPr lang="da-DK" dirty="0">
+                <a:solidFill>
+                  <a:schemeClr val="bg1"/>
+                </a:solidFill>
+              </a:rPr>
+              <a:t>Program gennemgang</a:t>
+            </a:r>
+          </a:p>
+        </p:txBody>
+      </p:sp>
+      <p:sp>
+        <p:nvSpPr>
+          <p:cNvPr id="3" name="Pladsholder til indhold 2">
+            <a:extLst>
+              <a:ext uri="{FF2B5EF4-FFF2-40B4-BE49-F238E27FC236}">
+                <a16:creationId xmlns:a16="http://schemas.microsoft.com/office/drawing/2014/main" id="{2812D5EF-BA64-8E9A-1DC3-F6AD0ABADABB}"/>
+              </a:ext>
+            </a:extLst>
+          </p:cNvPr>
+          <p:cNvSpPr>
+            <a:spLocks noGrp="1"/>
+          </p:cNvSpPr>
+          <p:nvPr>
+            <p:ph idx="1"/>
+          </p:nvPr>
+        </p:nvSpPr>
+        <p:spPr/>
+        <p:txBody>
+          <a:bodyPr/>
+          <a:lstStyle/>
+          <a:p>
+            <a:pPr marL="0" indent="0">
+              <a:buNone/>
+            </a:pPr>
+            <a:r>
+              <a:rPr lang="en-US" dirty="0">
+                <a:solidFill>
+                  <a:schemeClr val="bg1"/>
+                </a:solidFill>
+              </a:rPr>
+              <a:t>-Cd </a:t>
+            </a:r>
+            <a:r>
+              <a:rPr lang="en-US" dirty="0" err="1">
+                <a:solidFill>
+                  <a:schemeClr val="bg1"/>
+                </a:solidFill>
+              </a:rPr>
+              <a:t>src</a:t>
+            </a:r>
+            <a:br>
+              <a:rPr lang="en-US" dirty="0">
+                <a:solidFill>
+                  <a:schemeClr val="bg1"/>
+                </a:solidFill>
+              </a:rPr>
+            </a:br>
+            <a:r>
+              <a:rPr lang="en-US" dirty="0">
+                <a:solidFill>
+                  <a:schemeClr val="bg1"/>
+                </a:solidFill>
+              </a:rPr>
+              <a:t>-dotnet run</a:t>
+            </a:r>
+          </a:p>
+        </p:txBody>
+      </p:sp>
+      <p:sp>
+        <p:nvSpPr>
+          <p:cNvPr id="5" name="Tekstfelt 4">
+            <a:extLst>
+              <a:ext uri="{FF2B5EF4-FFF2-40B4-BE49-F238E27FC236}">
+                <a16:creationId xmlns:a16="http://schemas.microsoft.com/office/drawing/2014/main" id="{AD3B1483-7AFF-2FAB-2F68-17E13F4F16EE}"/>
+              </a:ext>
+            </a:extLst>
+          </p:cNvPr>
+          <p:cNvSpPr txBox="1"/>
+          <p:nvPr/>
+        </p:nvSpPr>
+        <p:spPr>
+          <a:xfrm>
+            <a:off x="11278354" y="6492875"/>
+            <a:ext cx="932507" cy="369332"/>
+          </a:xfrm>
+          <a:prstGeom prst="rect">
+            <a:avLst/>
+          </a:prstGeom>
+          <a:noFill/>
+        </p:spPr>
+        <p:txBody>
+          <a:bodyPr wrap="square" rtlCol="0">
+            <a:spAutoFit/>
+          </a:bodyPr>
+          <a:lstStyle/>
+          <a:p>
+            <a:pPr algn="ctr"/>
+            <a:r>
+              <a:rPr lang="en-US" dirty="0">
+                <a:solidFill>
+                  <a:schemeClr val="bg1"/>
+                </a:solidFill>
+              </a:rPr>
+              <a:t>2/8</a:t>
+            </a:r>
+            <a:endParaRPr lang="da-DK" dirty="0">
+              <a:solidFill>
+                <a:schemeClr val="bg1"/>
+              </a:solidFill>
+            </a:endParaRPr>
+          </a:p>
+        </p:txBody>
+      </p:sp>
+      <p:pic>
+        <p:nvPicPr>
+          <p:cNvPr id="6" name="Billede 5">
+            <a:extLst>
+              <a:ext uri="{FF2B5EF4-FFF2-40B4-BE49-F238E27FC236}">
+                <a16:creationId xmlns:a16="http://schemas.microsoft.com/office/drawing/2014/main" id="{7377F8C0-CBE5-5A7B-E05E-51AB74EBD8FC}"/>
+              </a:ext>
+            </a:extLst>
+          </p:cNvPr>
+          <p:cNvPicPr>
+            <a:picLocks noChangeAspect="1"/>
+          </p:cNvPicPr>
+          <p:nvPr/>
+        </p:nvPicPr>
+        <p:blipFill>
+          <a:blip r:embed="rId3"/>
+          <a:stretch>
+            <a:fillRect/>
+          </a:stretch>
+        </p:blipFill>
+        <p:spPr>
+          <a:xfrm>
+            <a:off x="8784666" y="3322273"/>
+            <a:ext cx="1857634" cy="1857634"/>
+          </a:xfrm>
+          <a:prstGeom prst="rect">
+            <a:avLst/>
+          </a:prstGeom>
+        </p:spPr>
+      </p:pic>
+    </p:spTree>
+    <p:extLst>
+      <p:ext uri="{BB962C8B-B14F-4D97-AF65-F5344CB8AC3E}">
+        <p14:creationId xmlns:p14="http://schemas.microsoft.com/office/powerpoint/2010/main" val="2477692303"/>
+      </p:ext>
+    </p:extLst>
+  </p:cSld>
+  <p:clrMapOvr>
+    <a:masterClrMapping/>
+  </p:clrMapOvr>
+</p:sld>
+</file>
+
+<file path=ppt/slides/slide4.xml><?xml version="1.0" encoding="utf-8"?>
+<p:sld xmlns:a="http://schemas.openxmlformats.org/drawingml/2006/main" xmlns:r="http://schemas.openxmlformats.org/officeDocument/2006/relationships" xmlns:p="http://schemas.openxmlformats.org/presentationml/2006/main">
+  <p:cSld>
+    <p:spTree>
+      <p:nvGrpSpPr>
+        <p:cNvPr id="1" name=""/>
+        <p:cNvGrpSpPr/>
+        <p:nvPr/>
+      </p:nvGrpSpPr>
+      <p:grpSpPr>
+        <a:xfrm>
+          <a:off x="0" y="0"/>
+          <a:ext cx="0" cy="0"/>
+          <a:chOff x="0" y="0"/>
+          <a:chExt cx="0" cy="0"/>
+        </a:xfrm>
+      </p:grpSpPr>
+      <p:sp>
+        <p:nvSpPr>
+          <p:cNvPr id="4" name="Rektangel 3">
+            <a:extLst>
+              <a:ext uri="{FF2B5EF4-FFF2-40B4-BE49-F238E27FC236}">
+                <a16:creationId xmlns:a16="http://schemas.microsoft.com/office/drawing/2014/main" id="{BEA0D7C0-AE0D-4CBA-3D78-0EEBB87D9014}"/>
+              </a:ext>
+            </a:extLst>
+          </p:cNvPr>
+          <p:cNvSpPr/>
+          <p:nvPr/>
+        </p:nvSpPr>
+        <p:spPr>
+          <a:xfrm>
+            <a:off x="0" y="0"/>
+            <a:ext cx="12192000" cy="6858000"/>
+          </a:xfrm>
+          <a:prstGeom prst="rect">
+            <a:avLst/>
+          </a:prstGeom>
+          <a:solidFill>
+            <a:srgbClr val="1E1E1E"/>
+          </a:solidFill>
+          <a:ln>
+            <a:solidFill>
+              <a:schemeClr val="bg2">
+                <a:lumMod val="10000"/>
+              </a:schemeClr>
+            </a:solidFill>
+          </a:ln>
+        </p:spPr>
+        <p:style>
+          <a:lnRef idx="2">
+            <a:schemeClr val="accent1">
+              <a:shade val="50000"/>
+            </a:schemeClr>
+          </a:lnRef>
+          <a:fillRef idx="1">
+            <a:schemeClr val="accent1"/>
+          </a:fillRef>
+          <a:effectRef idx="0">
+            <a:schemeClr val="accent1"/>
+          </a:effectRef>
+          <a:fontRef idx="minor">
+            <a:schemeClr val="lt1"/>
+          </a:fontRef>
+        </p:style>
+        <p:txBody>
+          <a:bodyPr rtlCol="0" anchor="ctr"/>
+          <a:lstStyle/>
+          <a:p>
+            <a:pPr algn="ctr"/>
+            <a:endParaRPr lang="da-DK"/>
+          </a:p>
+        </p:txBody>
+      </p:sp>
+      <p:sp>
+        <p:nvSpPr>
+          <p:cNvPr id="2" name="Titel 1">
+            <a:extLst>
+              <a:ext uri="{FF2B5EF4-FFF2-40B4-BE49-F238E27FC236}">
                 <a16:creationId xmlns:a16="http://schemas.microsoft.com/office/drawing/2014/main" id="{CBF5FDEB-5ED7-B7B3-C193-5929857182B1}"/>
               </a:ext>
             </a:extLst>
@@ -4529,7 +4870,7 @@
 </p:sld>
 </file>
 
-<file path=ppt/slides/slide4.xml><?xml version="1.0" encoding="utf-8"?>
+<file path=ppt/slides/slide5.xml><?xml version="1.0" encoding="utf-8"?>
 <p:sld xmlns:a="http://schemas.openxmlformats.org/drawingml/2006/main" xmlns:r="http://schemas.openxmlformats.org/officeDocument/2006/relationships" xmlns:p="http://schemas.openxmlformats.org/presentationml/2006/main">
   <p:cSld>
     <p:spTree>
@@ -5100,7 +5441,7 @@
 </p:sld>
 </file>
 
-<file path=ppt/slides/slide5.xml><?xml version="1.0" encoding="utf-8"?>
+<file path=ppt/slides/slide6.xml><?xml version="1.0" encoding="utf-8"?>
 <p:sld xmlns:a="http://schemas.openxmlformats.org/drawingml/2006/main" xmlns:r="http://schemas.openxmlformats.org/officeDocument/2006/relationships" xmlns:p="http://schemas.openxmlformats.org/presentationml/2006/main">
   <p:cSld>
     <p:spTree>
@@ -6002,7 +6343,7 @@
 </p:sld>
 </file>
 
-<file path=ppt/slides/slide6.xml><?xml version="1.0" encoding="utf-8"?>
+<file path=ppt/slides/slide7.xml><?xml version="1.0" encoding="utf-8"?>
 <p:sld xmlns:a="http://schemas.openxmlformats.org/drawingml/2006/main" xmlns:r="http://schemas.openxmlformats.org/officeDocument/2006/relationships" xmlns:p="http://schemas.openxmlformats.org/presentationml/2006/main">
   <p:cSld>
     <p:spTree>
@@ -6443,7 +6784,7 @@
 </p:sld>
 </file>
 
-<file path=ppt/slides/slide7.xml><?xml version="1.0" encoding="utf-8"?>
+<file path=ppt/slides/slide8.xml><?xml version="1.0" encoding="utf-8"?>
 <p:sld xmlns:a="http://schemas.openxmlformats.org/drawingml/2006/main" xmlns:r="http://schemas.openxmlformats.org/officeDocument/2006/relationships" xmlns:p="http://schemas.openxmlformats.org/presentationml/2006/main">
   <p:cSld>
     <p:spTree>
@@ -6891,7 +7232,7 @@
 </p:sld>
 </file>
 
-<file path=ppt/slides/slide8.xml><?xml version="1.0" encoding="utf-8"?>
+<file path=ppt/slides/slide9.xml><?xml version="1.0" encoding="utf-8"?>
 <p:sld xmlns:a="http://schemas.openxmlformats.org/drawingml/2006/main" xmlns:r="http://schemas.openxmlformats.org/officeDocument/2006/relationships" xmlns:p="http://schemas.openxmlformats.org/presentationml/2006/main">
   <p:cSld>
     <p:spTree>

--- a/Docs/ERPSystem.pptx
+++ b/Docs/ERPSystem.pptx
@@ -516,6 +516,10 @@
           <a:bodyPr/>
           <a:lstStyle/>
           <a:p>
+            <a:r>
+              <a:rPr lang="en-US" dirty="0"/>
+              <a:t>Haraldur</a:t>
+            </a:r>
             <a:endParaRPr lang="da-DK" dirty="0"/>
           </a:p>
         </p:txBody>
@@ -537,7 +541,7 @@
           <a:p>
             <a:fld id="{A75A5C39-AB35-4856-9BF2-B1B765134C34}" type="slidenum">
               <a:rPr lang="da-DK" smtClean="0"/>
-              <a:t>2</a:t>
+              <a:t>1</a:t>
             </a:fld>
             <a:endParaRPr lang="da-DK"/>
           </a:p>
@@ -546,7 +550,7 @@
     </p:spTree>
     <p:extLst>
       <p:ext uri="{BB962C8B-B14F-4D97-AF65-F5344CB8AC3E}">
-        <p14:creationId xmlns:p14="http://schemas.microsoft.com/office/powerpoint/2010/main" val="1955268625"/>
+        <p14:creationId xmlns:p14="http://schemas.microsoft.com/office/powerpoint/2010/main" val="584390249"/>
       </p:ext>
     </p:extLst>
   </p:cSld>
@@ -600,6 +604,10 @@
           <a:bodyPr/>
           <a:lstStyle/>
           <a:p>
+            <a:r>
+              <a:rPr lang="en-US" dirty="0"/>
+              <a:t>Haraldur</a:t>
+            </a:r>
             <a:endParaRPr lang="da-DK" dirty="0"/>
           </a:p>
         </p:txBody>
@@ -621,7 +629,7 @@
           <a:p>
             <a:fld id="{A75A5C39-AB35-4856-9BF2-B1B765134C34}" type="slidenum">
               <a:rPr lang="da-DK" smtClean="0"/>
-              <a:t>3</a:t>
+              <a:t>2</a:t>
             </a:fld>
             <a:endParaRPr lang="da-DK"/>
           </a:p>
@@ -630,7 +638,7 @@
     </p:spTree>
     <p:extLst>
       <p:ext uri="{BB962C8B-B14F-4D97-AF65-F5344CB8AC3E}">
-        <p14:creationId xmlns:p14="http://schemas.microsoft.com/office/powerpoint/2010/main" val="1669835352"/>
+        <p14:creationId xmlns:p14="http://schemas.microsoft.com/office/powerpoint/2010/main" val="1955268625"/>
       </p:ext>
     </p:extLst>
   </p:cSld>
@@ -684,7 +692,99 @@
           <a:bodyPr/>
           <a:lstStyle/>
           <a:p>
+            <a:r>
+              <a:rPr lang="en-US" dirty="0" err="1"/>
+              <a:t>Niclas</a:t>
+            </a:r>
+            <a:endParaRPr lang="da-DK" dirty="0"/>
+          </a:p>
+        </p:txBody>
+      </p:sp>
+      <p:sp>
+        <p:nvSpPr>
+          <p:cNvPr id="4" name="Pladsholder til slidenummer 3"/>
+          <p:cNvSpPr>
+            <a:spLocks noGrp="1"/>
+          </p:cNvSpPr>
+          <p:nvPr>
+            <p:ph type="sldNum" sz="quarter" idx="5"/>
+          </p:nvPr>
+        </p:nvSpPr>
+        <p:spPr/>
+        <p:txBody>
+          <a:bodyPr/>
+          <a:lstStyle/>
+          <a:p>
+            <a:fld id="{A75A5C39-AB35-4856-9BF2-B1B765134C34}" type="slidenum">
+              <a:rPr lang="da-DK" smtClean="0"/>
+              <a:t>3</a:t>
+            </a:fld>
             <a:endParaRPr lang="da-DK"/>
+          </a:p>
+        </p:txBody>
+      </p:sp>
+    </p:spTree>
+    <p:extLst>
+      <p:ext uri="{BB962C8B-B14F-4D97-AF65-F5344CB8AC3E}">
+        <p14:creationId xmlns:p14="http://schemas.microsoft.com/office/powerpoint/2010/main" val="1669835352"/>
+      </p:ext>
+    </p:extLst>
+  </p:cSld>
+  <p:clrMapOvr>
+    <a:masterClrMapping/>
+  </p:clrMapOvr>
+</p:notes>
+</file>
+
+<file path=ppt/notesSlides/notesSlide4.xml><?xml version="1.0" encoding="utf-8"?>
+<p:notes xmlns:a="http://schemas.openxmlformats.org/drawingml/2006/main" xmlns:r="http://schemas.openxmlformats.org/officeDocument/2006/relationships" xmlns:p="http://schemas.openxmlformats.org/presentationml/2006/main">
+  <p:cSld>
+    <p:spTree>
+      <p:nvGrpSpPr>
+        <p:cNvPr id="1" name=""/>
+        <p:cNvGrpSpPr/>
+        <p:nvPr/>
+      </p:nvGrpSpPr>
+      <p:grpSpPr>
+        <a:xfrm>
+          <a:off x="0" y="0"/>
+          <a:ext cx="0" cy="0"/>
+          <a:chOff x="0" y="0"/>
+          <a:chExt cx="0" cy="0"/>
+        </a:xfrm>
+      </p:grpSpPr>
+      <p:sp>
+        <p:nvSpPr>
+          <p:cNvPr id="2" name="Pladsholder til slidebillede 1"/>
+          <p:cNvSpPr>
+            <a:spLocks noGrp="1" noRot="1" noChangeAspect="1"/>
+          </p:cNvSpPr>
+          <p:nvPr>
+            <p:ph type="sldImg"/>
+          </p:nvPr>
+        </p:nvSpPr>
+        <p:spPr/>
+      </p:sp>
+      <p:sp>
+        <p:nvSpPr>
+          <p:cNvPr id="3" name="Pladsholder til noter 2"/>
+          <p:cNvSpPr>
+            <a:spLocks noGrp="1"/>
+          </p:cNvSpPr>
+          <p:nvPr>
+            <p:ph type="body" idx="1"/>
+          </p:nvPr>
+        </p:nvSpPr>
+        <p:spPr/>
+        <p:txBody>
+          <a:bodyPr/>
+          <a:lstStyle/>
+          <a:p>
+            <a:r>
+              <a:rPr lang="en-US" dirty="0"/>
+              <a:t>Marcus</a:t>
+            </a:r>
+            <a:endParaRPr lang="da-DK" dirty="0"/>
           </a:p>
         </p:txBody>
       </p:sp>
@@ -715,6 +815,446 @@
     <p:extLst>
       <p:ext uri="{BB962C8B-B14F-4D97-AF65-F5344CB8AC3E}">
         <p14:creationId xmlns:p14="http://schemas.microsoft.com/office/powerpoint/2010/main" val="1011004607"/>
+      </p:ext>
+    </p:extLst>
+  </p:cSld>
+  <p:clrMapOvr>
+    <a:masterClrMapping/>
+  </p:clrMapOvr>
+</p:notes>
+</file>
+
+<file path=ppt/notesSlides/notesSlide5.xml><?xml version="1.0" encoding="utf-8"?>
+<p:notes xmlns:a="http://schemas.openxmlformats.org/drawingml/2006/main" xmlns:r="http://schemas.openxmlformats.org/officeDocument/2006/relationships" xmlns:p="http://schemas.openxmlformats.org/presentationml/2006/main">
+  <p:cSld>
+    <p:spTree>
+      <p:nvGrpSpPr>
+        <p:cNvPr id="1" name=""/>
+        <p:cNvGrpSpPr/>
+        <p:nvPr/>
+      </p:nvGrpSpPr>
+      <p:grpSpPr>
+        <a:xfrm>
+          <a:off x="0" y="0"/>
+          <a:ext cx="0" cy="0"/>
+          <a:chOff x="0" y="0"/>
+          <a:chExt cx="0" cy="0"/>
+        </a:xfrm>
+      </p:grpSpPr>
+      <p:sp>
+        <p:nvSpPr>
+          <p:cNvPr id="2" name="Pladsholder til slidebillede 1"/>
+          <p:cNvSpPr>
+            <a:spLocks noGrp="1" noRot="1" noChangeAspect="1"/>
+          </p:cNvSpPr>
+          <p:nvPr>
+            <p:ph type="sldImg"/>
+          </p:nvPr>
+        </p:nvSpPr>
+        <p:spPr/>
+      </p:sp>
+      <p:sp>
+        <p:nvSpPr>
+          <p:cNvPr id="3" name="Pladsholder til noter 2"/>
+          <p:cNvSpPr>
+            <a:spLocks noGrp="1"/>
+          </p:cNvSpPr>
+          <p:nvPr>
+            <p:ph type="body" idx="1"/>
+          </p:nvPr>
+        </p:nvSpPr>
+        <p:spPr/>
+        <p:txBody>
+          <a:bodyPr/>
+          <a:lstStyle/>
+          <a:p>
+            <a:r>
+              <a:rPr lang="en-US" dirty="0"/>
+              <a:t>Haraldur</a:t>
+            </a:r>
+            <a:endParaRPr lang="da-DK" dirty="0"/>
+          </a:p>
+        </p:txBody>
+      </p:sp>
+      <p:sp>
+        <p:nvSpPr>
+          <p:cNvPr id="4" name="Pladsholder til slidenummer 3"/>
+          <p:cNvSpPr>
+            <a:spLocks noGrp="1"/>
+          </p:cNvSpPr>
+          <p:nvPr>
+            <p:ph type="sldNum" sz="quarter" idx="5"/>
+          </p:nvPr>
+        </p:nvSpPr>
+        <p:spPr/>
+        <p:txBody>
+          <a:bodyPr/>
+          <a:lstStyle/>
+          <a:p>
+            <a:fld id="{A75A5C39-AB35-4856-9BF2-B1B765134C34}" type="slidenum">
+              <a:rPr lang="da-DK" smtClean="0"/>
+              <a:t>5</a:t>
+            </a:fld>
+            <a:endParaRPr lang="da-DK"/>
+          </a:p>
+        </p:txBody>
+      </p:sp>
+    </p:spTree>
+    <p:extLst>
+      <p:ext uri="{BB962C8B-B14F-4D97-AF65-F5344CB8AC3E}">
+        <p14:creationId xmlns:p14="http://schemas.microsoft.com/office/powerpoint/2010/main" val="2741279711"/>
+      </p:ext>
+    </p:extLst>
+  </p:cSld>
+  <p:clrMapOvr>
+    <a:masterClrMapping/>
+  </p:clrMapOvr>
+</p:notes>
+</file>
+
+<file path=ppt/notesSlides/notesSlide6.xml><?xml version="1.0" encoding="utf-8"?>
+<p:notes xmlns:a="http://schemas.openxmlformats.org/drawingml/2006/main" xmlns:r="http://schemas.openxmlformats.org/officeDocument/2006/relationships" xmlns:p="http://schemas.openxmlformats.org/presentationml/2006/main">
+  <p:cSld>
+    <p:spTree>
+      <p:nvGrpSpPr>
+        <p:cNvPr id="1" name=""/>
+        <p:cNvGrpSpPr/>
+        <p:nvPr/>
+      </p:nvGrpSpPr>
+      <p:grpSpPr>
+        <a:xfrm>
+          <a:off x="0" y="0"/>
+          <a:ext cx="0" cy="0"/>
+          <a:chOff x="0" y="0"/>
+          <a:chExt cx="0" cy="0"/>
+        </a:xfrm>
+      </p:grpSpPr>
+      <p:sp>
+        <p:nvSpPr>
+          <p:cNvPr id="2" name="Pladsholder til slidebillede 1"/>
+          <p:cNvSpPr>
+            <a:spLocks noGrp="1" noRot="1" noChangeAspect="1"/>
+          </p:cNvSpPr>
+          <p:nvPr>
+            <p:ph type="sldImg"/>
+          </p:nvPr>
+        </p:nvSpPr>
+        <p:spPr/>
+      </p:sp>
+      <p:sp>
+        <p:nvSpPr>
+          <p:cNvPr id="3" name="Pladsholder til noter 2"/>
+          <p:cNvSpPr>
+            <a:spLocks noGrp="1"/>
+          </p:cNvSpPr>
+          <p:nvPr>
+            <p:ph type="body" idx="1"/>
+          </p:nvPr>
+        </p:nvSpPr>
+        <p:spPr/>
+        <p:txBody>
+          <a:bodyPr/>
+          <a:lstStyle/>
+          <a:p>
+            <a:r>
+              <a:rPr lang="en-US" dirty="0"/>
+              <a:t>Marcus</a:t>
+            </a:r>
+            <a:endParaRPr lang="da-DK" dirty="0"/>
+          </a:p>
+        </p:txBody>
+      </p:sp>
+      <p:sp>
+        <p:nvSpPr>
+          <p:cNvPr id="4" name="Pladsholder til slidenummer 3"/>
+          <p:cNvSpPr>
+            <a:spLocks noGrp="1"/>
+          </p:cNvSpPr>
+          <p:nvPr>
+            <p:ph type="sldNum" sz="quarter" idx="5"/>
+          </p:nvPr>
+        </p:nvSpPr>
+        <p:spPr/>
+        <p:txBody>
+          <a:bodyPr/>
+          <a:lstStyle/>
+          <a:p>
+            <a:fld id="{A75A5C39-AB35-4856-9BF2-B1B765134C34}" type="slidenum">
+              <a:rPr lang="da-DK" smtClean="0"/>
+              <a:t>6</a:t>
+            </a:fld>
+            <a:endParaRPr lang="da-DK"/>
+          </a:p>
+        </p:txBody>
+      </p:sp>
+    </p:spTree>
+    <p:extLst>
+      <p:ext uri="{BB962C8B-B14F-4D97-AF65-F5344CB8AC3E}">
+        <p14:creationId xmlns:p14="http://schemas.microsoft.com/office/powerpoint/2010/main" val="246579151"/>
+      </p:ext>
+    </p:extLst>
+  </p:cSld>
+  <p:clrMapOvr>
+    <a:masterClrMapping/>
+  </p:clrMapOvr>
+</p:notes>
+</file>
+
+<file path=ppt/notesSlides/notesSlide7.xml><?xml version="1.0" encoding="utf-8"?>
+<p:notes xmlns:a="http://schemas.openxmlformats.org/drawingml/2006/main" xmlns:r="http://schemas.openxmlformats.org/officeDocument/2006/relationships" xmlns:p="http://schemas.openxmlformats.org/presentationml/2006/main">
+  <p:cSld>
+    <p:spTree>
+      <p:nvGrpSpPr>
+        <p:cNvPr id="1" name=""/>
+        <p:cNvGrpSpPr/>
+        <p:nvPr/>
+      </p:nvGrpSpPr>
+      <p:grpSpPr>
+        <a:xfrm>
+          <a:off x="0" y="0"/>
+          <a:ext cx="0" cy="0"/>
+          <a:chOff x="0" y="0"/>
+          <a:chExt cx="0" cy="0"/>
+        </a:xfrm>
+      </p:grpSpPr>
+      <p:sp>
+        <p:nvSpPr>
+          <p:cNvPr id="2" name="Pladsholder til slidebillede 1"/>
+          <p:cNvSpPr>
+            <a:spLocks noGrp="1" noRot="1" noChangeAspect="1"/>
+          </p:cNvSpPr>
+          <p:nvPr>
+            <p:ph type="sldImg"/>
+          </p:nvPr>
+        </p:nvSpPr>
+        <p:spPr/>
+      </p:sp>
+      <p:sp>
+        <p:nvSpPr>
+          <p:cNvPr id="3" name="Pladsholder til noter 2"/>
+          <p:cNvSpPr>
+            <a:spLocks noGrp="1"/>
+          </p:cNvSpPr>
+          <p:nvPr>
+            <p:ph type="body" idx="1"/>
+          </p:nvPr>
+        </p:nvSpPr>
+        <p:spPr/>
+        <p:txBody>
+          <a:bodyPr/>
+          <a:lstStyle/>
+          <a:p>
+            <a:r>
+              <a:rPr lang="en-US" dirty="0" err="1"/>
+              <a:t>Niclas</a:t>
+            </a:r>
+            <a:endParaRPr lang="da-DK" dirty="0"/>
+          </a:p>
+        </p:txBody>
+      </p:sp>
+      <p:sp>
+        <p:nvSpPr>
+          <p:cNvPr id="4" name="Pladsholder til slidenummer 3"/>
+          <p:cNvSpPr>
+            <a:spLocks noGrp="1"/>
+          </p:cNvSpPr>
+          <p:nvPr>
+            <p:ph type="sldNum" sz="quarter" idx="5"/>
+          </p:nvPr>
+        </p:nvSpPr>
+        <p:spPr/>
+        <p:txBody>
+          <a:bodyPr/>
+          <a:lstStyle/>
+          <a:p>
+            <a:fld id="{A75A5C39-AB35-4856-9BF2-B1B765134C34}" type="slidenum">
+              <a:rPr lang="da-DK" smtClean="0"/>
+              <a:t>7</a:t>
+            </a:fld>
+            <a:endParaRPr lang="da-DK"/>
+          </a:p>
+        </p:txBody>
+      </p:sp>
+    </p:spTree>
+    <p:extLst>
+      <p:ext uri="{BB962C8B-B14F-4D97-AF65-F5344CB8AC3E}">
+        <p14:creationId xmlns:p14="http://schemas.microsoft.com/office/powerpoint/2010/main" val="1917478235"/>
+      </p:ext>
+    </p:extLst>
+  </p:cSld>
+  <p:clrMapOvr>
+    <a:masterClrMapping/>
+  </p:clrMapOvr>
+</p:notes>
+</file>
+
+<file path=ppt/notesSlides/notesSlide8.xml><?xml version="1.0" encoding="utf-8"?>
+<p:notes xmlns:a="http://schemas.openxmlformats.org/drawingml/2006/main" xmlns:r="http://schemas.openxmlformats.org/officeDocument/2006/relationships" xmlns:p="http://schemas.openxmlformats.org/presentationml/2006/main">
+  <p:cSld>
+    <p:spTree>
+      <p:nvGrpSpPr>
+        <p:cNvPr id="1" name=""/>
+        <p:cNvGrpSpPr/>
+        <p:nvPr/>
+      </p:nvGrpSpPr>
+      <p:grpSpPr>
+        <a:xfrm>
+          <a:off x="0" y="0"/>
+          <a:ext cx="0" cy="0"/>
+          <a:chOff x="0" y="0"/>
+          <a:chExt cx="0" cy="0"/>
+        </a:xfrm>
+      </p:grpSpPr>
+      <p:sp>
+        <p:nvSpPr>
+          <p:cNvPr id="2" name="Pladsholder til slidebillede 1"/>
+          <p:cNvSpPr>
+            <a:spLocks noGrp="1" noRot="1" noChangeAspect="1"/>
+          </p:cNvSpPr>
+          <p:nvPr>
+            <p:ph type="sldImg"/>
+          </p:nvPr>
+        </p:nvSpPr>
+        <p:spPr/>
+      </p:sp>
+      <p:sp>
+        <p:nvSpPr>
+          <p:cNvPr id="3" name="Pladsholder til noter 2"/>
+          <p:cNvSpPr>
+            <a:spLocks noGrp="1"/>
+          </p:cNvSpPr>
+          <p:nvPr>
+            <p:ph type="body" idx="1"/>
+          </p:nvPr>
+        </p:nvSpPr>
+        <p:spPr/>
+        <p:txBody>
+          <a:bodyPr/>
+          <a:lstStyle/>
+          <a:p>
+            <a:r>
+              <a:rPr lang="en-US" dirty="0" err="1"/>
+              <a:t>Niclas</a:t>
+            </a:r>
+            <a:endParaRPr lang="da-DK" dirty="0"/>
+          </a:p>
+        </p:txBody>
+      </p:sp>
+      <p:sp>
+        <p:nvSpPr>
+          <p:cNvPr id="4" name="Pladsholder til slidenummer 3"/>
+          <p:cNvSpPr>
+            <a:spLocks noGrp="1"/>
+          </p:cNvSpPr>
+          <p:nvPr>
+            <p:ph type="sldNum" sz="quarter" idx="5"/>
+          </p:nvPr>
+        </p:nvSpPr>
+        <p:spPr/>
+        <p:txBody>
+          <a:bodyPr/>
+          <a:lstStyle/>
+          <a:p>
+            <a:fld id="{A75A5C39-AB35-4856-9BF2-B1B765134C34}" type="slidenum">
+              <a:rPr lang="da-DK" smtClean="0"/>
+              <a:t>8</a:t>
+            </a:fld>
+            <a:endParaRPr lang="da-DK"/>
+          </a:p>
+        </p:txBody>
+      </p:sp>
+    </p:spTree>
+    <p:extLst>
+      <p:ext uri="{BB962C8B-B14F-4D97-AF65-F5344CB8AC3E}">
+        <p14:creationId xmlns:p14="http://schemas.microsoft.com/office/powerpoint/2010/main" val="2193590650"/>
+      </p:ext>
+    </p:extLst>
+  </p:cSld>
+  <p:clrMapOvr>
+    <a:masterClrMapping/>
+  </p:clrMapOvr>
+</p:notes>
+</file>
+
+<file path=ppt/notesSlides/notesSlide9.xml><?xml version="1.0" encoding="utf-8"?>
+<p:notes xmlns:a="http://schemas.openxmlformats.org/drawingml/2006/main" xmlns:r="http://schemas.openxmlformats.org/officeDocument/2006/relationships" xmlns:p="http://schemas.openxmlformats.org/presentationml/2006/main">
+  <p:cSld>
+    <p:spTree>
+      <p:nvGrpSpPr>
+        <p:cNvPr id="1" name=""/>
+        <p:cNvGrpSpPr/>
+        <p:nvPr/>
+      </p:nvGrpSpPr>
+      <p:grpSpPr>
+        <a:xfrm>
+          <a:off x="0" y="0"/>
+          <a:ext cx="0" cy="0"/>
+          <a:chOff x="0" y="0"/>
+          <a:chExt cx="0" cy="0"/>
+        </a:xfrm>
+      </p:grpSpPr>
+      <p:sp>
+        <p:nvSpPr>
+          <p:cNvPr id="2" name="Pladsholder til slidebillede 1"/>
+          <p:cNvSpPr>
+            <a:spLocks noGrp="1" noRot="1" noChangeAspect="1"/>
+          </p:cNvSpPr>
+          <p:nvPr>
+            <p:ph type="sldImg"/>
+          </p:nvPr>
+        </p:nvSpPr>
+        <p:spPr/>
+      </p:sp>
+      <p:sp>
+        <p:nvSpPr>
+          <p:cNvPr id="3" name="Pladsholder til noter 2"/>
+          <p:cNvSpPr>
+            <a:spLocks noGrp="1"/>
+          </p:cNvSpPr>
+          <p:nvPr>
+            <p:ph type="body" idx="1"/>
+          </p:nvPr>
+        </p:nvSpPr>
+        <p:spPr/>
+        <p:txBody>
+          <a:bodyPr/>
+          <a:lstStyle/>
+          <a:p>
+            <a:r>
+              <a:rPr lang="en-US" dirty="0"/>
+              <a:t>Haraldur</a:t>
+            </a:r>
+            <a:endParaRPr lang="da-DK" dirty="0"/>
+          </a:p>
+        </p:txBody>
+      </p:sp>
+      <p:sp>
+        <p:nvSpPr>
+          <p:cNvPr id="4" name="Pladsholder til slidenummer 3"/>
+          <p:cNvSpPr>
+            <a:spLocks noGrp="1"/>
+          </p:cNvSpPr>
+          <p:nvPr>
+            <p:ph type="sldNum" sz="quarter" idx="5"/>
+          </p:nvPr>
+        </p:nvSpPr>
+        <p:spPr/>
+        <p:txBody>
+          <a:bodyPr/>
+          <a:lstStyle/>
+          <a:p>
+            <a:fld id="{A75A5C39-AB35-4856-9BF2-B1B765134C34}" type="slidenum">
+              <a:rPr lang="da-DK" smtClean="0"/>
+              <a:t>9</a:t>
+            </a:fld>
+            <a:endParaRPr lang="da-DK"/>
+          </a:p>
+        </p:txBody>
+      </p:sp>
+    </p:spTree>
+    <p:extLst>
+      <p:ext uri="{BB962C8B-B14F-4D97-AF65-F5344CB8AC3E}">
+        <p14:creationId xmlns:p14="http://schemas.microsoft.com/office/powerpoint/2010/main" val="3445780184"/>
       </p:ext>
     </p:extLst>
   </p:cSld>
@@ -4016,12 +4556,20 @@
           <a:lstStyle/>
           <a:p>
             <a:r>
+              <a:rPr lang="en-US">
+                <a:solidFill>
+                  <a:schemeClr val="bg1"/>
+                </a:solidFill>
+              </a:rPr>
+              <a:t>ERP </a:t>
+            </a:r>
+            <a:r>
               <a:rPr lang="en-US" dirty="0">
                 <a:solidFill>
                   <a:schemeClr val="bg1"/>
                 </a:solidFill>
               </a:rPr>
-              <a:t>ERP - System</a:t>
+              <a:t>- System</a:t>
             </a:r>
             <a:endParaRPr lang="da-DK" dirty="0">
               <a:solidFill>
@@ -4070,12 +4618,20 @@
           </a:p>
           <a:p>
             <a:r>
+              <a:rPr lang="en-US" dirty="0" err="1">
+                <a:solidFill>
+                  <a:schemeClr val="bg1"/>
+                </a:solidFill>
+              </a:rPr>
+              <a:t>Niclas</a:t>
+            </a:r>
+            <a:r>
               <a:rPr lang="en-US" dirty="0">
                 <a:solidFill>
                   <a:schemeClr val="bg1"/>
                 </a:solidFill>
               </a:rPr>
-              <a:t>Nicklas, Marcus og Haraldur</a:t>
+              <a:t>, Marcus og Haraldur</a:t>
             </a:r>
             <a:endParaRPr lang="da-DK" dirty="0">
               <a:solidFill>
@@ -4100,7 +4656,7 @@
           <p:nvPr/>
         </p:nvPicPr>
         <p:blipFill>
-          <a:blip r:embed="rId2"/>
+          <a:blip r:embed="rId3"/>
           <a:stretch>
             <a:fillRect/>
           </a:stretch>
@@ -4993,7 +5549,7 @@
           </p:nvPr>
         </p:nvPicPr>
         <p:blipFill>
-          <a:blip r:embed="rId2"/>
+          <a:blip r:embed="rId3"/>
           <a:stretch>
             <a:fillRect/>
           </a:stretch>
@@ -5065,7 +5621,7 @@
           <p:nvPr/>
         </p:nvPicPr>
         <p:blipFill>
-          <a:blip r:embed="rId3"/>
+          <a:blip r:embed="rId4"/>
           <a:stretch>
             <a:fillRect/>
           </a:stretch>
@@ -5095,7 +5651,7 @@
           <p:nvPr/>
         </p:nvPicPr>
         <p:blipFill>
-          <a:blip r:embed="rId4"/>
+          <a:blip r:embed="rId5"/>
           <a:stretch>
             <a:fillRect/>
           </a:stretch>
@@ -5413,7 +5969,7 @@
           <p:nvPr/>
         </p:nvPicPr>
         <p:blipFill>
-          <a:blip r:embed="rId5"/>
+          <a:blip r:embed="rId6"/>
           <a:stretch>
             <a:fillRect/>
           </a:stretch>
@@ -5607,7 +6163,7 @@
           <p:nvPr/>
         </p:nvPicPr>
         <p:blipFill>
-          <a:blip r:embed="rId2"/>
+          <a:blip r:embed="rId3"/>
           <a:stretch>
             <a:fillRect/>
           </a:stretch>
@@ -6514,7 +7070,7 @@
           <p:nvPr/>
         </p:nvPicPr>
         <p:blipFill>
-          <a:blip r:embed="rId2"/>
+          <a:blip r:embed="rId3"/>
           <a:stretch>
             <a:fillRect/>
           </a:stretch>
@@ -6949,7 +7505,7 @@
           <p:nvPr/>
         </p:nvPicPr>
         <p:blipFill>
-          <a:blip r:embed="rId2"/>
+          <a:blip r:embed="rId3"/>
           <a:stretch>
             <a:fillRect/>
           </a:stretch>
@@ -6979,7 +7535,7 @@
           <p:nvPr/>
         </p:nvPicPr>
         <p:blipFill>
-          <a:blip r:embed="rId3"/>
+          <a:blip r:embed="rId4"/>
           <a:stretch>
             <a:fillRect/>
           </a:stretch>
@@ -7009,7 +7565,7 @@
           <p:nvPr/>
         </p:nvPicPr>
         <p:blipFill>
-          <a:blip r:embed="rId4"/>
+          <a:blip r:embed="rId5"/>
           <a:stretch>
             <a:fillRect/>
           </a:stretch>
@@ -7039,7 +7595,7 @@
           <p:nvPr/>
         </p:nvPicPr>
         <p:blipFill>
-          <a:blip r:embed="rId5"/>
+          <a:blip r:embed="rId6"/>
           <a:stretch>
             <a:fillRect/>
           </a:stretch>
@@ -7696,7 +8252,7 @@
           <p:nvPr/>
         </p:nvPicPr>
         <p:blipFill>
-          <a:blip r:embed="rId2"/>
+          <a:blip r:embed="rId3"/>
           <a:stretch>
             <a:fillRect/>
           </a:stretch>
